--- a/web presantation.pptx
+++ b/web presantation.pptx
@@ -320,7 +320,7 @@
           <a:p>
             <a:fld id="{37A88E96-4E7F-4AC0-A03F-404A348E59E8}" type="datetimeFigureOut">
               <a:rPr lang="en-US" smtClean="0"/>
-              <a:t>6/3/2023</a:t>
+              <a:t>6/7/2023</a:t>
             </a:fld>
             <a:endParaRPr lang="en-US"/>
           </a:p>
@@ -541,7 +541,7 @@
           <a:p>
             <a:fld id="{37A88E96-4E7F-4AC0-A03F-404A348E59E8}" type="datetimeFigureOut">
               <a:rPr lang="en-US" smtClean="0"/>
-              <a:t>6/3/2023</a:t>
+              <a:t>6/7/2023</a:t>
             </a:fld>
             <a:endParaRPr lang="en-US"/>
           </a:p>
@@ -721,7 +721,7 @@
           <a:p>
             <a:fld id="{37A88E96-4E7F-4AC0-A03F-404A348E59E8}" type="datetimeFigureOut">
               <a:rPr lang="en-US" smtClean="0"/>
-              <a:t>6/3/2023</a:t>
+              <a:t>6/7/2023</a:t>
             </a:fld>
             <a:endParaRPr lang="en-US"/>
           </a:p>
@@ -891,7 +891,7 @@
           <a:p>
             <a:fld id="{37A88E96-4E7F-4AC0-A03F-404A348E59E8}" type="datetimeFigureOut">
               <a:rPr lang="en-US" smtClean="0"/>
-              <a:t>6/3/2023</a:t>
+              <a:t>6/7/2023</a:t>
             </a:fld>
             <a:endParaRPr lang="en-US"/>
           </a:p>
@@ -1142,7 +1142,7 @@
           <a:p>
             <a:fld id="{37A88E96-4E7F-4AC0-A03F-404A348E59E8}" type="datetimeFigureOut">
               <a:rPr lang="en-US" smtClean="0"/>
-              <a:t>6/3/2023</a:t>
+              <a:t>6/7/2023</a:t>
             </a:fld>
             <a:endParaRPr lang="en-US"/>
           </a:p>
@@ -1465,7 +1465,7 @@
           <a:p>
             <a:fld id="{37A88E96-4E7F-4AC0-A03F-404A348E59E8}" type="datetimeFigureOut">
               <a:rPr lang="en-US" smtClean="0"/>
-              <a:t>6/3/2023</a:t>
+              <a:t>6/7/2023</a:t>
             </a:fld>
             <a:endParaRPr lang="en-US"/>
           </a:p>
@@ -1889,7 +1889,7 @@
           <a:p>
             <a:fld id="{37A88E96-4E7F-4AC0-A03F-404A348E59E8}" type="datetimeFigureOut">
               <a:rPr lang="en-US" smtClean="0"/>
-              <a:t>6/3/2023</a:t>
+              <a:t>6/7/2023</a:t>
             </a:fld>
             <a:endParaRPr lang="en-US"/>
           </a:p>
@@ -2007,7 +2007,7 @@
           <a:p>
             <a:fld id="{37A88E96-4E7F-4AC0-A03F-404A348E59E8}" type="datetimeFigureOut">
               <a:rPr lang="en-US" smtClean="0"/>
-              <a:t>6/3/2023</a:t>
+              <a:t>6/7/2023</a:t>
             </a:fld>
             <a:endParaRPr lang="en-US"/>
           </a:p>
@@ -2102,7 +2102,7 @@
           <a:p>
             <a:fld id="{37A88E96-4E7F-4AC0-A03F-404A348E59E8}" type="datetimeFigureOut">
               <a:rPr lang="en-US" smtClean="0"/>
-              <a:t>6/3/2023</a:t>
+              <a:t>6/7/2023</a:t>
             </a:fld>
             <a:endParaRPr lang="en-US"/>
           </a:p>
@@ -2392,7 +2392,7 @@
           <a:p>
             <a:fld id="{37A88E96-4E7F-4AC0-A03F-404A348E59E8}" type="datetimeFigureOut">
               <a:rPr lang="en-US" smtClean="0"/>
-              <a:t>6/3/2023</a:t>
+              <a:t>6/7/2023</a:t>
             </a:fld>
             <a:endParaRPr lang="en-US"/>
           </a:p>
@@ -2664,7 +2664,7 @@
           <a:p>
             <a:fld id="{37A88E96-4E7F-4AC0-A03F-404A348E59E8}" type="datetimeFigureOut">
               <a:rPr lang="en-US" smtClean="0"/>
-              <a:t>6/3/2023</a:t>
+              <a:t>6/7/2023</a:t>
             </a:fld>
             <a:endParaRPr lang="en-US"/>
           </a:p>
@@ -2918,7 +2918,7 @@
           <a:p>
             <a:fld id="{37A88E96-4E7F-4AC0-A03F-404A348E59E8}" type="datetimeFigureOut">
               <a:rPr lang="en-US" smtClean="0"/>
-              <a:t>6/3/2023</a:t>
+              <a:t>6/7/2023</a:t>
             </a:fld>
             <a:endParaRPr lang="en-US"/>
           </a:p>
@@ -4174,7 +4174,7 @@
         </p:spPr>
         <p:txBody>
           <a:bodyPr>
-            <a:normAutofit lnSpcReduction="10000"/>
+            <a:normAutofit fontScale="92500" lnSpcReduction="20000"/>
           </a:bodyPr>
           <a:lstStyle/>
           <a:p>
@@ -4192,8 +4192,13 @@
             </a:r>
             <a:r>
               <a:rPr lang="en-US" dirty="0"/>
-              <a:t> (me) - focused a little in static and more in dynamic part of the website (HTML, JAVASCRIPT, PHP).</a:t>
-            </a:r>
+              <a:t> (me) - focused a little in static and more in dynamic part of the website (HTML, JAVASCRIPT, </a:t>
+            </a:r>
+            <a:r>
+              <a:rPr lang="en-US" dirty="0" smtClean="0"/>
+              <a:t>PHP, CRUD system of the web, context model).</a:t>
+            </a:r>
+            <a:endParaRPr lang="en-US" dirty="0"/>
           </a:p>
           <a:p>
             <a:endParaRPr lang="en-US" dirty="0"/>
@@ -4205,8 +4210,17 @@
             </a:r>
             <a:r>
               <a:rPr lang="en-US" dirty="0"/>
-              <a:t> - Focused in login system and database [Admin login system and user login system (PHP, HTML)].</a:t>
-            </a:r>
+              <a:t> - Focused in login system and database [Admin login system and user login system (PHP, </a:t>
+            </a:r>
+            <a:r>
+              <a:rPr lang="en-US" dirty="0" smtClean="0"/>
+              <a:t>HTML, log in , sing out</a:t>
+            </a:r>
+            <a:r>
+              <a:rPr lang="en-US" dirty="0" smtClean="0"/>
+              <a:t>,)], Use case diagram .</a:t>
+            </a:r>
+            <a:endParaRPr lang="en-US" dirty="0"/>
           </a:p>
           <a:p>
             <a:endParaRPr lang="en-US" dirty="0"/>
@@ -4226,16 +4240,25 @@
             </a:r>
             <a:r>
               <a:rPr lang="en-US" dirty="0"/>
-              <a:t> - Focused totally in database design (MYSQL).</a:t>
-            </a:r>
-          </a:p>
-          <a:p>
+              <a:t> - Focused totally in database design (MYSQL</a:t>
+            </a:r>
+            <a:r>
+              <a:rPr lang="en-US" dirty="0" smtClean="0"/>
+              <a:t>), Website Application Specification.</a:t>
+            </a:r>
             <a:endParaRPr lang="en-US" dirty="0"/>
           </a:p>
           <a:p>
+            <a:endParaRPr lang="en-US" dirty="0"/>
+          </a:p>
+          <a:p>
+            <a:r>
+              <a:rPr lang="en-US" dirty="0" smtClean="0"/>
+              <a:t> </a:t>
+            </a:r>
             <a:r>
               <a:rPr lang="en-US" dirty="0" err="1"/>
-              <a:t>Denald</a:t>
+              <a:t>Klaiv</a:t>
             </a:r>
             <a:r>
               <a:rPr lang="en-US" dirty="0"/>
@@ -4243,22 +4266,6 @@
             </a:r>
             <a:r>
               <a:rPr lang="en-US" dirty="0" err="1"/>
-              <a:t>Selimi</a:t>
-            </a:r>
-            <a:r>
-              <a:rPr lang="en-US" dirty="0"/>
-              <a:t> and </a:t>
-            </a:r>
-            <a:r>
-              <a:rPr lang="en-US" dirty="0" err="1"/>
-              <a:t>Klaiv</a:t>
-            </a:r>
-            <a:r>
-              <a:rPr lang="en-US" dirty="0"/>
-              <a:t> </a:t>
-            </a:r>
-            <a:r>
-              <a:rPr lang="en-US" dirty="0" err="1"/>
               <a:t>Domi</a:t>
             </a:r>
             <a:r>
@@ -4271,8 +4278,44 @@
             </a:r>
             <a:r>
               <a:rPr lang="en-US" dirty="0"/>
-              <a:t> and in static part of the website (HTML, CSS, BOOTSTRAP).</a:t>
-            </a:r>
+              <a:t> and in static part of the website (HTML, CSS, BOOTSTRAP</a:t>
+            </a:r>
+            <a:r>
+              <a:rPr lang="en-US" dirty="0" smtClean="0"/>
+              <a:t>) Website Requirements.</a:t>
+            </a:r>
+            <a:endParaRPr lang="en-US" dirty="0" smtClean="0"/>
+          </a:p>
+          <a:p>
+            <a:r>
+              <a:rPr lang="en-US" dirty="0" err="1" smtClean="0"/>
+              <a:t>Denald</a:t>
+            </a:r>
+            <a:r>
+              <a:rPr lang="en-US" dirty="0" smtClean="0"/>
+              <a:t> </a:t>
+            </a:r>
+            <a:r>
+              <a:rPr lang="en-US" dirty="0" err="1" smtClean="0"/>
+              <a:t>Selimi</a:t>
+            </a:r>
+            <a:r>
+              <a:rPr lang="en-US" dirty="0" smtClean="0"/>
+              <a:t> – Database </a:t>
+            </a:r>
+            <a:r>
+              <a:rPr lang="en-US" dirty="0" err="1" smtClean="0"/>
+              <a:t>conection</a:t>
+            </a:r>
+            <a:r>
+              <a:rPr lang="en-US" dirty="0" smtClean="0"/>
+              <a:t>, footer and </a:t>
+            </a:r>
+            <a:r>
+              <a:rPr lang="en-US" dirty="0" smtClean="0"/>
+              <a:t>header.</a:t>
+            </a:r>
+            <a:endParaRPr lang="en-US" dirty="0"/>
           </a:p>
         </p:txBody>
       </p:sp>

--- a/web presantation.pptx
+++ b/web presantation.pptx
@@ -4192,7 +4192,15 @@
             </a:r>
             <a:r>
               <a:rPr lang="en-US" dirty="0"/>
-              <a:t> (me) - focused a little in static and more in dynamic part of the website (HTML, JAVASCRIPT, </a:t>
+              <a:t> (me) - focused a little in static and more in </a:t>
+            </a:r>
+            <a:r>
+              <a:rPr lang="en-US" dirty="0" smtClean="0"/>
+              <a:t>the dynamic </a:t>
+            </a:r>
+            <a:r>
+              <a:rPr lang="en-US" dirty="0"/>
+              <a:t>part of the website (HTML, JAVASCRIPT, </a:t>
             </a:r>
             <a:r>
               <a:rPr lang="en-US" dirty="0" smtClean="0"/>
@@ -4273,12 +4281,20 @@
               <a:t> - focused totally in </a:t>
             </a:r>
             <a:r>
-              <a:rPr lang="en-US" dirty="0" err="1"/>
-              <a:t>desing</a:t>
+              <a:rPr lang="en-US" dirty="0" smtClean="0"/>
+              <a:t>design </a:t>
             </a:r>
             <a:r>
               <a:rPr lang="en-US" dirty="0"/>
-              <a:t> and in static part of the website (HTML, CSS, BOOTSTRAP</a:t>
+              <a:t>and in </a:t>
+            </a:r>
+            <a:r>
+              <a:rPr lang="en-US" dirty="0" smtClean="0"/>
+              <a:t>the static </a:t>
+            </a:r>
+            <a:r>
+              <a:rPr lang="en-US" dirty="0"/>
+              <a:t>part of the website (HTML, CSS, BOOTSTRAP</a:t>
             </a:r>
             <a:r>
               <a:rPr lang="en-US" dirty="0" smtClean="0"/>
@@ -4304,12 +4320,12 @@
               <a:t> – Database </a:t>
             </a:r>
             <a:r>
-              <a:rPr lang="en-US" dirty="0" err="1" smtClean="0"/>
-              <a:t>conection</a:t>
-            </a:r>
-            <a:r>
               <a:rPr lang="en-US" dirty="0" smtClean="0"/>
-              <a:t>, footer and </a:t>
+              <a:t>connection, </a:t>
+            </a:r>
+            <a:r>
+              <a:rPr lang="en-US" dirty="0" smtClean="0"/>
+              <a:t>footer and </a:t>
             </a:r>
             <a:r>
               <a:rPr lang="en-US" dirty="0" smtClean="0"/>
